--- a/CAN_Channels.pptx
+++ b/CAN_Channels.pptx
@@ -259,7 +259,7 @@
           <a:p>
             <a:fld id="{5C123993-4ADA-4712-8C1C-5A03B9DFC7AE}" type="datetimeFigureOut">
               <a:rPr lang="en-US" smtClean="0"/>
-              <a:t>1/15/2023</a:t>
+              <a:t>2/19/2023</a:t>
             </a:fld>
             <a:endParaRPr lang="en-US"/>
           </a:p>
@@ -457,7 +457,7 @@
           <a:p>
             <a:fld id="{5C123993-4ADA-4712-8C1C-5A03B9DFC7AE}" type="datetimeFigureOut">
               <a:rPr lang="en-US" smtClean="0"/>
-              <a:t>1/15/2023</a:t>
+              <a:t>2/19/2023</a:t>
             </a:fld>
             <a:endParaRPr lang="en-US"/>
           </a:p>
@@ -665,7 +665,7 @@
           <a:p>
             <a:fld id="{5C123993-4ADA-4712-8C1C-5A03B9DFC7AE}" type="datetimeFigureOut">
               <a:rPr lang="en-US" smtClean="0"/>
-              <a:t>1/15/2023</a:t>
+              <a:t>2/19/2023</a:t>
             </a:fld>
             <a:endParaRPr lang="en-US"/>
           </a:p>
@@ -863,7 +863,7 @@
           <a:p>
             <a:fld id="{5C123993-4ADA-4712-8C1C-5A03B9DFC7AE}" type="datetimeFigureOut">
               <a:rPr lang="en-US" smtClean="0"/>
-              <a:t>1/15/2023</a:t>
+              <a:t>2/19/2023</a:t>
             </a:fld>
             <a:endParaRPr lang="en-US"/>
           </a:p>
@@ -1138,7 +1138,7 @@
           <a:p>
             <a:fld id="{5C123993-4ADA-4712-8C1C-5A03B9DFC7AE}" type="datetimeFigureOut">
               <a:rPr lang="en-US" smtClean="0"/>
-              <a:t>1/15/2023</a:t>
+              <a:t>2/19/2023</a:t>
             </a:fld>
             <a:endParaRPr lang="en-US"/>
           </a:p>
@@ -1403,7 +1403,7 @@
           <a:p>
             <a:fld id="{5C123993-4ADA-4712-8C1C-5A03B9DFC7AE}" type="datetimeFigureOut">
               <a:rPr lang="en-US" smtClean="0"/>
-              <a:t>1/15/2023</a:t>
+              <a:t>2/19/2023</a:t>
             </a:fld>
             <a:endParaRPr lang="en-US"/>
           </a:p>
@@ -1815,7 +1815,7 @@
           <a:p>
             <a:fld id="{5C123993-4ADA-4712-8C1C-5A03B9DFC7AE}" type="datetimeFigureOut">
               <a:rPr lang="en-US" smtClean="0"/>
-              <a:t>1/15/2023</a:t>
+              <a:t>2/19/2023</a:t>
             </a:fld>
             <a:endParaRPr lang="en-US"/>
           </a:p>
@@ -1956,7 +1956,7 @@
           <a:p>
             <a:fld id="{5C123993-4ADA-4712-8C1C-5A03B9DFC7AE}" type="datetimeFigureOut">
               <a:rPr lang="en-US" smtClean="0"/>
-              <a:t>1/15/2023</a:t>
+              <a:t>2/19/2023</a:t>
             </a:fld>
             <a:endParaRPr lang="en-US"/>
           </a:p>
@@ -2069,7 +2069,7 @@
           <a:p>
             <a:fld id="{5C123993-4ADA-4712-8C1C-5A03B9DFC7AE}" type="datetimeFigureOut">
               <a:rPr lang="en-US" smtClean="0"/>
-              <a:t>1/15/2023</a:t>
+              <a:t>2/19/2023</a:t>
             </a:fld>
             <a:endParaRPr lang="en-US"/>
           </a:p>
@@ -2380,7 +2380,7 @@
           <a:p>
             <a:fld id="{5C123993-4ADA-4712-8C1C-5A03B9DFC7AE}" type="datetimeFigureOut">
               <a:rPr lang="en-US" smtClean="0"/>
-              <a:t>1/15/2023</a:t>
+              <a:t>2/19/2023</a:t>
             </a:fld>
             <a:endParaRPr lang="en-US"/>
           </a:p>
@@ -2668,7 +2668,7 @@
           <a:p>
             <a:fld id="{5C123993-4ADA-4712-8C1C-5A03B9DFC7AE}" type="datetimeFigureOut">
               <a:rPr lang="en-US" smtClean="0"/>
-              <a:t>1/15/2023</a:t>
+              <a:t>2/19/2023</a:t>
             </a:fld>
             <a:endParaRPr lang="en-US"/>
           </a:p>
@@ -2909,7 +2909,7 @@
           <a:p>
             <a:fld id="{5C123993-4ADA-4712-8C1C-5A03B9DFC7AE}" type="datetimeFigureOut">
               <a:rPr lang="en-US" smtClean="0"/>
-              <a:t>1/15/2023</a:t>
+              <a:t>2/19/2023</a:t>
             </a:fld>
             <a:endParaRPr lang="en-US"/>
           </a:p>
@@ -3341,7 +3341,7 @@
         <p:spPr>
           <a:xfrm>
             <a:off x="2099876" y="921351"/>
-            <a:ext cx="3114675" cy="6186309"/>
+            <a:ext cx="3114675" cy="7017306"/>
           </a:xfrm>
           <a:prstGeom prst="rect">
             <a:avLst/>
@@ -3443,19 +3443,22 @@
           <a:p>
             <a:r>
               <a:rPr lang="en-US" dirty="0"/>
-              <a:t>--- Talon  -----</a:t>
+              <a:t>Arm rotate  14</a:t>
             </a:r>
           </a:p>
           <a:p>
             <a:r>
               <a:rPr lang="en-US" dirty="0"/>
-              <a:t>Arm Extend = 14</a:t>
-            </a:r>
+              <a:t>                     15</a:t>
+            </a:r>
+          </a:p>
+          <a:p>
+            <a:endParaRPr lang="en-US" dirty="0"/>
           </a:p>
           <a:p>
             <a:r>
               <a:rPr lang="en-US" dirty="0"/>
-              <a:t>Arm Rotate = 15</a:t>
+              <a:t>Arm extend 17</a:t>
             </a:r>
           </a:p>
           <a:p>
@@ -3463,15 +3466,19 @@
           </a:p>
           <a:p>
             <a:r>
-              <a:rPr lang="en-US" dirty="0"/>
-              <a:t>--- Pneumatics ---- </a:t>
-            </a:r>
-          </a:p>
-          <a:p>
-            <a:r>
-              <a:rPr lang="en-US" dirty="0"/>
-              <a:t>Open Claw = 0</a:t>
-            </a:r>
+              <a:rPr lang="en-US"/>
+              <a:t>Claw  18, 19 </a:t>
+            </a:r>
+            <a:endParaRPr lang="en-US" dirty="0"/>
+          </a:p>
+          <a:p>
+            <a:endParaRPr lang="en-US" dirty="0"/>
+          </a:p>
+          <a:p>
+            <a:endParaRPr lang="en-US" dirty="0"/>
+          </a:p>
+          <a:p>
+            <a:endParaRPr lang="en-US" dirty="0"/>
           </a:p>
           <a:p>
             <a:endParaRPr lang="en-US" dirty="0"/>
